--- a/Database/3장 강의_SQL 기초.pptx
+++ b/Database/3장 강의_SQL 기초.pptx
@@ -256,7 +256,7 @@
             <a:fld id="{36C39FFA-0F1A-413B-9BFE-941741C2D487}" type="datetimeFigureOut">
               <a:rPr lang="ko-KR" altLang="en-US" smtClean="0"/>
               <a:pPr/>
-              <a:t>2023-10-18</a:t>
+              <a:t>2023-10-23</a:t>
             </a:fld>
             <a:endParaRPr lang="ko-KR" altLang="en-US"/>
           </a:p>
@@ -423,7 +423,7 @@
             <a:fld id="{62F6F0AE-7B65-4C9A-8729-A5D1A0ABE57B}" type="datetimeFigureOut">
               <a:rPr lang="ko-KR" altLang="en-US" smtClean="0"/>
               <a:pPr/>
-              <a:t>2023-10-18</a:t>
+              <a:t>2023-10-21</a:t>
             </a:fld>
             <a:endParaRPr lang="ko-KR" altLang="en-US"/>
           </a:p>
@@ -3281,7 +3281,7 @@
               <a:pPr>
                 <a:defRPr/>
               </a:pPr>
-              <a:t>2023-10-18</a:t>
+              <a:t>2023-10-21</a:t>
             </a:fld>
             <a:endParaRPr lang="ko-KR" altLang="en-US" dirty="0"/>
           </a:p>
@@ -4235,7 +4235,6 @@
             <a:noFill/>
           </a:ln>
           <a:effectLst/>
-          <a:extLst/>
         </p:spPr>
         <p:txBody>
           <a:bodyPr vert="horz" wrap="square" lIns="91440" tIns="45720" rIns="91440" bIns="45720" numCol="1" anchor="ctr" anchorCtr="0" compatLnSpc="1">
@@ -4739,7 +4738,6 @@
             <a:noFill/>
           </a:ln>
           <a:effectLst/>
-          <a:extLst/>
         </p:spPr>
         <p:txBody>
           <a:bodyPr vert="horz" wrap="square" lIns="91440" tIns="45720" rIns="91440" bIns="45720" numCol="1" anchor="ctr" anchorCtr="0" compatLnSpc="1">
@@ -14881,7 +14879,6 @@
             <a:noFill/>
           </a:ln>
           <a:effectLst/>
-          <a:extLst/>
         </p:spPr>
         <p:txBody>
           <a:bodyPr vert="horz" wrap="square" lIns="91440" tIns="45720" rIns="91440" bIns="45720" numCol="1" anchor="ctr" anchorCtr="0" compatLnSpc="1">
